--- a/DS_Poster_BWT.pptx
+++ b/DS_Poster_BWT.pptx
@@ -115,23 +115,79 @@
 </p:presentation>
 </file>
 
+<file path=ppt/revisionInfo.xml><?xml version="1.0" encoding="utf-8"?>
+<p1510:revInfo xmlns:a="http://schemas.openxmlformats.org/drawingml/2006/main" xmlns:r="http://schemas.openxmlformats.org/officeDocument/2006/relationships" xmlns:p1510="http://schemas.microsoft.com/office/powerpoint/2015/10/main">
+  <p1510:revLst>
+    <p1510:client id="{FB1A7ACC-2E2F-41E5-BD8C-C80C13687461}" v="2" dt="2025-03-20T16:32:25.996"/>
+  </p1510:revLst>
+</p1510:revInfo>
+</file>
+
 <file path=ppt/changesInfos/changesInfo1.xml><?xml version="1.0" encoding="utf-8"?>
 <pc:chgInfo xmlns:a="http://schemas.openxmlformats.org/drawingml/2006/main" xmlns:r="http://schemas.openxmlformats.org/officeDocument/2006/relationships" xmlns:ac="http://schemas.microsoft.com/office/drawing/2013/main/command" xmlns:pc="http://schemas.microsoft.com/office/powerpoint/2013/main/command">
   <pc:docChgLst>
     <pc:chgData name="Brandon W. Thomas" userId="c66643de-298f-44ed-b3ec-8e90705fbf80" providerId="ADAL" clId="{FB1A7ACC-2E2F-41E5-BD8C-C80C13687461}"/>
     <pc:docChg chg="undo custSel modSld">
-      <pc:chgData name="Brandon W. Thomas" userId="c66643de-298f-44ed-b3ec-8e90705fbf80" providerId="ADAL" clId="{FB1A7ACC-2E2F-41E5-BD8C-C80C13687461}" dt="2025-03-19T18:13:14.580" v="21" actId="108"/>
+      <pc:chgData name="Brandon W. Thomas" userId="c66643de-298f-44ed-b3ec-8e90705fbf80" providerId="ADAL" clId="{FB1A7ACC-2E2F-41E5-BD8C-C80C13687461}" dt="2025-03-20T16:39:38.128" v="481" actId="1076"/>
       <pc:docMkLst>
         <pc:docMk/>
       </pc:docMkLst>
-      <pc:sldChg chg="modSp mod">
-        <pc:chgData name="Brandon W. Thomas" userId="c66643de-298f-44ed-b3ec-8e90705fbf80" providerId="ADAL" clId="{FB1A7ACC-2E2F-41E5-BD8C-C80C13687461}" dt="2025-03-19T18:13:14.580" v="21" actId="108"/>
+      <pc:sldChg chg="addSp delSp modSp mod">
+        <pc:chgData name="Brandon W. Thomas" userId="c66643de-298f-44ed-b3ec-8e90705fbf80" providerId="ADAL" clId="{FB1A7ACC-2E2F-41E5-BD8C-C80C13687461}" dt="2025-03-20T16:39:38.128" v="481" actId="1076"/>
         <pc:sldMkLst>
           <pc:docMk/>
           <pc:sldMk cId="3618027970" sldId="256"/>
         </pc:sldMkLst>
+        <pc:spChg chg="add mod">
+          <ac:chgData name="Brandon W. Thomas" userId="c66643de-298f-44ed-b3ec-8e90705fbf80" providerId="ADAL" clId="{FB1A7ACC-2E2F-41E5-BD8C-C80C13687461}" dt="2025-03-20T16:21:00.727" v="72" actId="20577"/>
+          <ac:spMkLst>
+            <pc:docMk/>
+            <pc:sldMk cId="3618027970" sldId="256"/>
+            <ac:spMk id="5" creationId="{6F61A643-AF13-14D0-E4CA-7EBBE24C0DD5}"/>
+          </ac:spMkLst>
+        </pc:spChg>
         <pc:spChg chg="mod">
-          <ac:chgData name="Brandon W. Thomas" userId="c66643de-298f-44ed-b3ec-8e90705fbf80" providerId="ADAL" clId="{FB1A7ACC-2E2F-41E5-BD8C-C80C13687461}" dt="2025-03-19T18:12:21.788" v="10" actId="20577"/>
+          <ac:chgData name="Brandon W. Thomas" userId="c66643de-298f-44ed-b3ec-8e90705fbf80" providerId="ADAL" clId="{FB1A7ACC-2E2F-41E5-BD8C-C80C13687461}" dt="2025-03-20T16:34:44.524" v="434" actId="1076"/>
+          <ac:spMkLst>
+            <pc:docMk/>
+            <pc:sldMk cId="3618027970" sldId="256"/>
+            <ac:spMk id="14" creationId="{B327B0F4-96D8-358C-14AE-24605B073C6A}"/>
+          </ac:spMkLst>
+        </pc:spChg>
+        <pc:spChg chg="mod">
+          <ac:chgData name="Brandon W. Thomas" userId="c66643de-298f-44ed-b3ec-8e90705fbf80" providerId="ADAL" clId="{FB1A7ACC-2E2F-41E5-BD8C-C80C13687461}" dt="2025-03-20T16:35:51.730" v="445" actId="1076"/>
+          <ac:spMkLst>
+            <pc:docMk/>
+            <pc:sldMk cId="3618027970" sldId="256"/>
+            <ac:spMk id="16" creationId="{C93E084C-1F54-1375-9A5A-821BCAF1989A}"/>
+          </ac:spMkLst>
+        </pc:spChg>
+        <pc:spChg chg="mod">
+          <ac:chgData name="Brandon W. Thomas" userId="c66643de-298f-44ed-b3ec-8e90705fbf80" providerId="ADAL" clId="{FB1A7ACC-2E2F-41E5-BD8C-C80C13687461}" dt="2025-03-20T16:36:58.169" v="462" actId="20577"/>
+          <ac:spMkLst>
+            <pc:docMk/>
+            <pc:sldMk cId="3618027970" sldId="256"/>
+            <ac:spMk id="17" creationId="{900188D8-EB83-BC71-2583-E064E810CB71}"/>
+          </ac:spMkLst>
+        </pc:spChg>
+        <pc:spChg chg="del">
+          <ac:chgData name="Brandon W. Thomas" userId="c66643de-298f-44ed-b3ec-8e90705fbf80" providerId="ADAL" clId="{FB1A7ACC-2E2F-41E5-BD8C-C80C13687461}" dt="2025-03-20T16:20:26.432" v="22" actId="478"/>
+          <ac:spMkLst>
+            <pc:docMk/>
+            <pc:sldMk cId="3618027970" sldId="256"/>
+            <ac:spMk id="18" creationId="{68798D29-36F5-54E2-CE2E-2B15B4CC3730}"/>
+          </ac:spMkLst>
+        </pc:spChg>
+        <pc:spChg chg="del">
+          <ac:chgData name="Brandon W. Thomas" userId="c66643de-298f-44ed-b3ec-8e90705fbf80" providerId="ADAL" clId="{FB1A7ACC-2E2F-41E5-BD8C-C80C13687461}" dt="2025-03-20T16:35:23.314" v="441" actId="478"/>
+          <ac:spMkLst>
+            <pc:docMk/>
+            <pc:sldMk cId="3618027970" sldId="256"/>
+            <ac:spMk id="23" creationId="{6F58798B-3F11-3379-DE3B-2DCFE3C6EC44}"/>
+          </ac:spMkLst>
+        </pc:spChg>
+        <pc:spChg chg="mod">
+          <ac:chgData name="Brandon W. Thomas" userId="c66643de-298f-44ed-b3ec-8e90705fbf80" providerId="ADAL" clId="{FB1A7ACC-2E2F-41E5-BD8C-C80C13687461}" dt="2025-03-20T16:36:53.437" v="450" actId="1076"/>
           <ac:spMkLst>
             <pc:docMk/>
             <pc:sldMk cId="3618027970" sldId="256"/>
@@ -146,6 +202,78 @@
             <ac:spMk id="28" creationId="{8AD3909B-5D23-8785-9135-D9538401C6AC}"/>
           </ac:spMkLst>
         </pc:spChg>
+        <pc:spChg chg="del mod">
+          <ac:chgData name="Brandon W. Thomas" userId="c66643de-298f-44ed-b3ec-8e90705fbf80" providerId="ADAL" clId="{FB1A7ACC-2E2F-41E5-BD8C-C80C13687461}" dt="2025-03-20T16:35:23.314" v="443"/>
+          <ac:spMkLst>
+            <pc:docMk/>
+            <pc:sldMk cId="3618027970" sldId="256"/>
+            <ac:spMk id="30" creationId="{7DEEB5E5-4855-A4BB-B840-77D3EA880910}"/>
+          </ac:spMkLst>
+        </pc:spChg>
+        <pc:spChg chg="mod">
+          <ac:chgData name="Brandon W. Thomas" userId="c66643de-298f-44ed-b3ec-8e90705fbf80" providerId="ADAL" clId="{FB1A7ACC-2E2F-41E5-BD8C-C80C13687461}" dt="2025-03-20T16:39:38.128" v="481" actId="1076"/>
+          <ac:spMkLst>
+            <pc:docMk/>
+            <pc:sldMk cId="3618027970" sldId="256"/>
+            <ac:spMk id="31" creationId="{4B523B33-3B14-7CDC-CB20-CCF49BC9449C}"/>
+          </ac:spMkLst>
+        </pc:spChg>
+        <pc:spChg chg="mod">
+          <ac:chgData name="Brandon W. Thomas" userId="c66643de-298f-44ed-b3ec-8e90705fbf80" providerId="ADAL" clId="{FB1A7ACC-2E2F-41E5-BD8C-C80C13687461}" dt="2025-03-20T16:36:13.472" v="448" actId="1076"/>
+          <ac:spMkLst>
+            <pc:docMk/>
+            <pc:sldMk cId="3618027970" sldId="256"/>
+            <ac:spMk id="32" creationId="{E0FDD2A7-FD85-FA89-BA18-5E07C3D3A708}"/>
+          </ac:spMkLst>
+        </pc:spChg>
+        <pc:spChg chg="mod">
+          <ac:chgData name="Brandon W. Thomas" userId="c66643de-298f-44ed-b3ec-8e90705fbf80" providerId="ADAL" clId="{FB1A7ACC-2E2F-41E5-BD8C-C80C13687461}" dt="2025-03-20T16:21:52.026" v="190" actId="1076"/>
+          <ac:spMkLst>
+            <pc:docMk/>
+            <pc:sldMk cId="3618027970" sldId="256"/>
+            <ac:spMk id="33" creationId="{20A9C14D-444A-F378-60F7-A278522CF0CE}"/>
+          </ac:spMkLst>
+        </pc:spChg>
+        <pc:spChg chg="mod">
+          <ac:chgData name="Brandon W. Thomas" userId="c66643de-298f-44ed-b3ec-8e90705fbf80" providerId="ADAL" clId="{FB1A7ACC-2E2F-41E5-BD8C-C80C13687461}" dt="2025-03-20T16:36:40.317" v="449" actId="1076"/>
+          <ac:spMkLst>
+            <pc:docMk/>
+            <pc:sldMk cId="3618027970" sldId="256"/>
+            <ac:spMk id="34" creationId="{47C1DE0C-0E39-1CCD-AE3B-AE2E5C27AC9A}"/>
+          </ac:spMkLst>
+        </pc:spChg>
+        <pc:spChg chg="mod">
+          <ac:chgData name="Brandon W. Thomas" userId="c66643de-298f-44ed-b3ec-8e90705fbf80" providerId="ADAL" clId="{FB1A7ACC-2E2F-41E5-BD8C-C80C13687461}" dt="2025-03-20T16:24:09.827" v="335" actId="6549"/>
+          <ac:spMkLst>
+            <pc:docMk/>
+            <pc:sldMk cId="3618027970" sldId="256"/>
+            <ac:spMk id="35" creationId="{F4377632-9E93-2DA6-1BC0-B3DB5F86ED77}"/>
+          </ac:spMkLst>
+        </pc:spChg>
+        <pc:spChg chg="mod">
+          <ac:chgData name="Brandon W. Thomas" userId="c66643de-298f-44ed-b3ec-8e90705fbf80" providerId="ADAL" clId="{FB1A7ACC-2E2F-41E5-BD8C-C80C13687461}" dt="2025-03-20T16:24:17.899" v="336" actId="1076"/>
+          <ac:spMkLst>
+            <pc:docMk/>
+            <pc:sldMk cId="3618027970" sldId="256"/>
+            <ac:spMk id="36" creationId="{45CC62CF-623A-13E0-14A3-B27997552EB8}"/>
+          </ac:spMkLst>
+        </pc:spChg>
+        <pc:spChg chg="mod">
+          <ac:chgData name="Brandon W. Thomas" userId="c66643de-298f-44ed-b3ec-8e90705fbf80" providerId="ADAL" clId="{FB1A7ACC-2E2F-41E5-BD8C-C80C13687461}" dt="2025-03-20T16:22:32.995" v="191" actId="1076"/>
+          <ac:spMkLst>
+            <pc:docMk/>
+            <pc:sldMk cId="3618027970" sldId="256"/>
+            <ac:spMk id="37" creationId="{C15C3910-FBE8-E5D4-AD37-27585351C38E}"/>
+          </ac:spMkLst>
+        </pc:spChg>
+        <pc:graphicFrameChg chg="modGraphic">
+          <ac:chgData name="Brandon W. Thomas" userId="c66643de-298f-44ed-b3ec-8e90705fbf80" providerId="ADAL" clId="{FB1A7ACC-2E2F-41E5-BD8C-C80C13687461}" dt="2025-03-20T16:38:53.298" v="480" actId="20577"/>
+          <ac:graphicFrameMkLst>
+            <pc:docMk/>
+            <pc:sldMk cId="3618027970" sldId="256"/>
+            <ac:graphicFrameMk id="22" creationId="{C38D1A2B-358A-EB93-DD02-4ABFF5B3101C}"/>
+          </ac:graphicFrameMkLst>
+        </pc:graphicFrameChg>
       </pc:sldChg>
     </pc:docChg>
   </pc:docChgLst>
@@ -234,7 +362,7 @@
           <a:p>
             <a:fld id="{AA9CB08D-779C-4EEC-A742-6EF5FD3BA9DD}" type="datetimeFigureOut">
               <a:rPr lang="en-US" smtClean="0"/>
-              <a:t>3/19/2025</a:t>
+              <a:t>3/20/2025</a:t>
             </a:fld>
             <a:endParaRPr lang="en-US"/>
           </a:p>
@@ -686,7 +814,7 @@
           <a:p>
             <a:fld id="{4776CC1A-D2BC-477A-B61E-F5DA09C6DCD9}" type="datetimeFigureOut">
               <a:rPr lang="en-US" smtClean="0"/>
-              <a:t>3/19/2025</a:t>
+              <a:t>3/20/2025</a:t>
             </a:fld>
             <a:endParaRPr lang="en-US"/>
           </a:p>
@@ -984,7 +1112,7 @@
           <a:p>
             <a:fld id="{4776CC1A-D2BC-477A-B61E-F5DA09C6DCD9}" type="datetimeFigureOut">
               <a:rPr lang="en-US" smtClean="0"/>
-              <a:t>3/19/2025</a:t>
+              <a:t>3/20/2025</a:t>
             </a:fld>
             <a:endParaRPr lang="en-US"/>
           </a:p>
@@ -1176,7 +1304,7 @@
           <a:p>
             <a:fld id="{4776CC1A-D2BC-477A-B61E-F5DA09C6DCD9}" type="datetimeFigureOut">
               <a:rPr lang="en-US" smtClean="0"/>
-              <a:t>3/19/2025</a:t>
+              <a:t>3/20/2025</a:t>
             </a:fld>
             <a:endParaRPr lang="en-US"/>
           </a:p>
@@ -1437,7 +1565,7 @@
           <a:p>
             <a:fld id="{4776CC1A-D2BC-477A-B61E-F5DA09C6DCD9}" type="datetimeFigureOut">
               <a:rPr lang="en-US" smtClean="0"/>
-              <a:t>3/19/2025</a:t>
+              <a:t>3/20/2025</a:t>
             </a:fld>
             <a:endParaRPr lang="en-US"/>
           </a:p>
@@ -1861,7 +1989,7 @@
           <a:p>
             <a:fld id="{4776CC1A-D2BC-477A-B61E-F5DA09C6DCD9}" type="datetimeFigureOut">
               <a:rPr lang="en-US" smtClean="0"/>
-              <a:t>3/19/2025</a:t>
+              <a:t>3/20/2025</a:t>
             </a:fld>
             <a:endParaRPr lang="en-US"/>
           </a:p>
@@ -2398,7 +2526,7 @@
           <a:p>
             <a:fld id="{4776CC1A-D2BC-477A-B61E-F5DA09C6DCD9}" type="datetimeFigureOut">
               <a:rPr lang="en-US" smtClean="0"/>
-              <a:t>3/19/2025</a:t>
+              <a:t>3/20/2025</a:t>
             </a:fld>
             <a:endParaRPr lang="en-US"/>
           </a:p>
@@ -3262,7 +3390,7 @@
           <a:p>
             <a:fld id="{4776CC1A-D2BC-477A-B61E-F5DA09C6DCD9}" type="datetimeFigureOut">
               <a:rPr lang="en-US" smtClean="0"/>
-              <a:t>3/19/2025</a:t>
+              <a:t>3/20/2025</a:t>
             </a:fld>
             <a:endParaRPr lang="en-US"/>
           </a:p>
@@ -3432,7 +3560,7 @@
           <a:p>
             <a:fld id="{4776CC1A-D2BC-477A-B61E-F5DA09C6DCD9}" type="datetimeFigureOut">
               <a:rPr lang="en-US" smtClean="0"/>
-              <a:t>3/19/2025</a:t>
+              <a:t>3/20/2025</a:t>
             </a:fld>
             <a:endParaRPr lang="en-US"/>
           </a:p>
@@ -3616,7 +3744,7 @@
           <a:p>
             <a:fld id="{4776CC1A-D2BC-477A-B61E-F5DA09C6DCD9}" type="datetimeFigureOut">
               <a:rPr lang="en-US" smtClean="0"/>
-              <a:t>3/19/2025</a:t>
+              <a:t>3/20/2025</a:t>
             </a:fld>
             <a:endParaRPr lang="en-US"/>
           </a:p>
@@ -3786,7 +3914,7 @@
           <a:p>
             <a:fld id="{4776CC1A-D2BC-477A-B61E-F5DA09C6DCD9}" type="datetimeFigureOut">
               <a:rPr lang="en-US" smtClean="0"/>
-              <a:t>3/19/2025</a:t>
+              <a:t>3/20/2025</a:t>
             </a:fld>
             <a:endParaRPr lang="en-US"/>
           </a:p>
@@ -4030,7 +4158,7 @@
           <a:p>
             <a:fld id="{4776CC1A-D2BC-477A-B61E-F5DA09C6DCD9}" type="datetimeFigureOut">
               <a:rPr lang="en-US" smtClean="0"/>
-              <a:t>3/19/2025</a:t>
+              <a:t>3/20/2025</a:t>
             </a:fld>
             <a:endParaRPr lang="en-US"/>
           </a:p>
@@ -4266,7 +4394,7 @@
           <a:p>
             <a:fld id="{4776CC1A-D2BC-477A-B61E-F5DA09C6DCD9}" type="datetimeFigureOut">
               <a:rPr lang="en-US" smtClean="0"/>
-              <a:t>3/19/2025</a:t>
+              <a:t>3/20/2025</a:t>
             </a:fld>
             <a:endParaRPr lang="en-US"/>
           </a:p>
@@ -4732,7 +4860,7 @@
           <a:p>
             <a:fld id="{4776CC1A-D2BC-477A-B61E-F5DA09C6DCD9}" type="datetimeFigureOut">
               <a:rPr lang="en-US" smtClean="0"/>
-              <a:t>3/19/2025</a:t>
+              <a:t>3/20/2025</a:t>
             </a:fld>
             <a:endParaRPr lang="en-US"/>
           </a:p>
@@ -4850,7 +4978,7 @@
           <a:p>
             <a:fld id="{4776CC1A-D2BC-477A-B61E-F5DA09C6DCD9}" type="datetimeFigureOut">
               <a:rPr lang="en-US" smtClean="0"/>
-              <a:t>3/19/2025</a:t>
+              <a:t>3/20/2025</a:t>
             </a:fld>
             <a:endParaRPr lang="en-US"/>
           </a:p>
@@ -4945,7 +5073,7 @@
           <a:p>
             <a:fld id="{4776CC1A-D2BC-477A-B61E-F5DA09C6DCD9}" type="datetimeFigureOut">
               <a:rPr lang="en-US" smtClean="0"/>
-              <a:t>3/19/2025</a:t>
+              <a:t>3/20/2025</a:t>
             </a:fld>
             <a:endParaRPr lang="en-US"/>
           </a:p>
@@ -5200,7 +5328,7 @@
           <a:p>
             <a:fld id="{4776CC1A-D2BC-477A-B61E-F5DA09C6DCD9}" type="datetimeFigureOut">
               <a:rPr lang="en-US" smtClean="0"/>
-              <a:t>3/19/2025</a:t>
+              <a:t>3/20/2025</a:t>
             </a:fld>
             <a:endParaRPr lang="en-US"/>
           </a:p>
@@ -5500,7 +5628,7 @@
           <a:p>
             <a:fld id="{4776CC1A-D2BC-477A-B61E-F5DA09C6DCD9}" type="datetimeFigureOut">
               <a:rPr lang="en-US" smtClean="0"/>
-              <a:t>3/19/2025</a:t>
+              <a:t>3/20/2025</a:t>
             </a:fld>
             <a:endParaRPr lang="en-US"/>
           </a:p>
@@ -5734,7 +5862,7 @@
           <a:p>
             <a:fld id="{4776CC1A-D2BC-477A-B61E-F5DA09C6DCD9}" type="datetimeFigureOut">
               <a:rPr lang="en-US" smtClean="0"/>
-              <a:t>3/19/2025</a:t>
+              <a:t>3/20/2025</a:t>
             </a:fld>
             <a:endParaRPr lang="en-US"/>
           </a:p>
@@ -6804,7 +6932,7 @@
           <a:lstStyle/>
           <a:p>
             <a:pPr algn="ctr"/>
-            <a:endParaRPr lang="en-US" sz="1323"/>
+            <a:endParaRPr lang="en-US" sz="1323" dirty="0"/>
           </a:p>
         </p:txBody>
       </p:sp>
@@ -6980,45 +7108,6 @@
       </p:sp>
       <p:sp>
         <p:nvSpPr>
-          <p:cNvPr id="18" name="TextBox 17">
-            <a:extLst>
-              <a:ext uri="{FF2B5EF4-FFF2-40B4-BE49-F238E27FC236}">
-                <a16:creationId xmlns:a16="http://schemas.microsoft.com/office/drawing/2014/main" id="{68798D29-36F5-54E2-CE2E-2B15B4CC3730}"/>
-              </a:ext>
-            </a:extLst>
-          </p:cNvPr>
-          <p:cNvSpPr txBox="1"/>
-          <p:nvPr/>
-        </p:nvSpPr>
-        <p:spPr>
-          <a:xfrm>
-            <a:off x="1751762" y="24285541"/>
-            <a:ext cx="11569959" cy="646331"/>
-          </a:xfrm>
-          <a:prstGeom prst="rect">
-            <a:avLst/>
-          </a:prstGeom>
-          <a:noFill/>
-        </p:spPr>
-        <p:txBody>
-          <a:bodyPr wrap="square" rtlCol="0">
-            <a:spAutoFit/>
-          </a:bodyPr>
-          <a:lstStyle/>
-          <a:p>
-            <a:pPr algn="ctr"/>
-            <a:r>
-              <a:rPr lang="en-US" sz="3600" dirty="0">
-                <a:latin typeface="Times New Roman" panose="02020603050405020304" pitchFamily="18" charset="0"/>
-                <a:cs typeface="Times New Roman" panose="02020603050405020304" pitchFamily="18" charset="0"/>
-              </a:rPr>
-              <a:t>Materials and Methods</a:t>
-            </a:r>
-          </a:p>
-        </p:txBody>
-      </p:sp>
-      <p:sp>
-        <p:nvSpPr>
           <p:cNvPr id="32" name="Rectangle: Rounded Corners 31">
             <a:extLst>
               <a:ext uri="{FF2B5EF4-FFF2-40B4-BE49-F238E27FC236}">
@@ -7031,7 +7120,7 @@
         </p:nvSpPr>
         <p:spPr>
           <a:xfrm>
-            <a:off x="29572076" y="23295761"/>
+            <a:off x="29572076" y="22323446"/>
             <a:ext cx="11910646" cy="710418"/>
           </a:xfrm>
           <a:prstGeom prst="roundRect">
@@ -7080,7 +7169,7 @@
         </p:nvSpPr>
         <p:spPr>
           <a:xfrm>
-            <a:off x="15946734" y="8030061"/>
+            <a:off x="15946734" y="8152040"/>
             <a:ext cx="11910646" cy="710418"/>
           </a:xfrm>
           <a:prstGeom prst="roundRect">
@@ -7111,16 +7200,6 @@
           <a:lstStyle/>
           <a:p>
             <a:pPr algn="ctr"/>
-            <a:r>
-              <a:rPr lang="en-US" b="1" i="0" dirty="0">
-                <a:solidFill>
-                  <a:srgbClr val="0050C1"/>
-                </a:solidFill>
-                <a:effectLst/>
-                <a:latin typeface="Lato" panose="020F0502020204030203" pitchFamily="34" charset="0"/>
-              </a:rPr>
-              <a:t>Wilson W. Wyatt Fellowship for Academic Excellence and the Fred Cand Florence Koster Scholarship awards- Spring 2025</a:t>
-            </a:r>
             <a:endParaRPr lang="en-US" dirty="0"/>
           </a:p>
         </p:txBody>
@@ -7139,7 +7218,7 @@
         </p:nvSpPr>
         <p:spPr>
           <a:xfrm>
-            <a:off x="29662733" y="23269187"/>
+            <a:off x="29964444" y="22336486"/>
             <a:ext cx="11910646" cy="707886"/>
           </a:xfrm>
           <a:prstGeom prst="rect">
@@ -7176,7 +7255,7 @@
         </p:nvSpPr>
         <p:spPr>
           <a:xfrm>
-            <a:off x="29471146" y="16160820"/>
+            <a:off x="29613833" y="14908260"/>
             <a:ext cx="11910646" cy="710418"/>
           </a:xfrm>
           <a:prstGeom prst="roundRect">
@@ -7225,7 +7304,7 @@
         </p:nvSpPr>
         <p:spPr>
           <a:xfrm>
-            <a:off x="29572076" y="16160820"/>
+            <a:off x="30065374" y="14923832"/>
             <a:ext cx="11708786" cy="707886"/>
           </a:xfrm>
           <a:prstGeom prst="rect">
@@ -7242,7 +7321,7 @@
             <a:pPr algn="ctr"/>
             <a:r>
               <a:rPr lang="en-US" sz="4000" dirty="0"/>
-              <a:t>Conclusion/Future Work</a:t>
+              <a:t>Conclusion</a:t>
             </a:r>
           </a:p>
         </p:txBody>
@@ -7373,47 +7452,6 @@
       </p:sp>
       <p:sp>
         <p:nvSpPr>
-          <p:cNvPr id="23" name="TextBox 22">
-            <a:extLst>
-              <a:ext uri="{FF2B5EF4-FFF2-40B4-BE49-F238E27FC236}">
-                <a16:creationId xmlns:a16="http://schemas.microsoft.com/office/drawing/2014/main" id="{6F58798B-3F11-3379-DE3B-2DCFE3C6EC44}"/>
-              </a:ext>
-            </a:extLst>
-          </p:cNvPr>
-          <p:cNvSpPr txBox="1"/>
-          <p:nvPr/>
-        </p:nvSpPr>
-        <p:spPr>
-          <a:xfrm>
-            <a:off x="10972800" y="16274534"/>
-            <a:ext cx="21945600" cy="369332"/>
-          </a:xfrm>
-          <a:prstGeom prst="rect">
-            <a:avLst/>
-          </a:prstGeom>
-          <a:noFill/>
-        </p:spPr>
-        <p:txBody>
-          <a:bodyPr wrap="square">
-            <a:spAutoFit/>
-          </a:bodyPr>
-          <a:lstStyle/>
-          <a:p>
-            <a:r>
-              <a:rPr lang="en-US" sz="1800" baseline="30000" dirty="0">
-                <a:solidFill>
-                  <a:srgbClr val="793140"/>
-                </a:solidFill>
-                <a:latin typeface="Times New Roman" panose="02020603050405020304" pitchFamily="18" charset="0"/>
-              </a:rPr>
-              <a:t>2</a:t>
-            </a:r>
-            <a:endParaRPr lang="en-US" dirty="0"/>
-          </a:p>
-        </p:txBody>
-      </p:sp>
-      <p:sp>
-        <p:nvSpPr>
           <p:cNvPr id="24" name="TextBox 23">
             <a:extLst>
               <a:ext uri="{FF2B5EF4-FFF2-40B4-BE49-F238E27FC236}">
@@ -7426,8 +7464,8 @@
         </p:nvSpPr>
         <p:spPr>
           <a:xfrm>
-            <a:off x="29736869" y="24254177"/>
-            <a:ext cx="12196020" cy="6986528"/>
+            <a:off x="29745130" y="23199574"/>
+            <a:ext cx="12196020" cy="6883936"/>
           </a:xfrm>
           <a:prstGeom prst="rect">
             <a:avLst/>
@@ -7454,7 +7492,7 @@
                 <a:ea typeface="Aptos" panose="020B0004020202020204" pitchFamily="34" charset="0"/>
                 <a:cs typeface="Times New Roman" panose="02020603050405020304" pitchFamily="18" charset="0"/>
               </a:rPr>
-              <a:t>Blows, F. M., Driver, K. E., Schmidt, M. K., et al. (2010). Subtyping of breast cancer by 	immunohistochemistry to investigate a relationship between subtype and short and long 	term survival: a collaborative analysis of data for 10,159 cases from 12 studies. </a:t>
+              <a:t>Blows, F. M., Driver, K. E., Schmidt, M. K., et al. (2010). Subtyping of breast cancer by 	immunohistochemistry to investigate a relationship between subtype and short and long 	term survival: a 	collaborative analysis of data for 10,159 cases from 12 studies. </a:t>
             </a:r>
             <a:r>
               <a:rPr lang="en-US" sz="2400" kern="100" dirty="0" err="1">
@@ -7494,7 +7532,7 @@
                 <a:ea typeface="Aptos" panose="020B0004020202020204" pitchFamily="34" charset="0"/>
                 <a:cs typeface="Times New Roman" panose="02020603050405020304" pitchFamily="18" charset="0"/>
               </a:rPr>
-              <a:t>Early Breast Cancer Trialists' Collaborative Group (EBCTCG). (2021). Long-term outcomes 	after radiotherapy or surgery for early-stage breast cancer. The Lancet Oncology.</a:t>
+              <a:t>Early Breast Cancer Trialists' Collaborative Group (EBCTCG). (2021). Long-term outcomes 	after radiotherapy 	or surgery for early-stage breast cancer. The Lancet Oncology.</a:t>
             </a:r>
           </a:p>
           <a:p>
@@ -7534,7 +7572,7 @@
                 <a:ea typeface="Aptos" panose="020B0004020202020204" pitchFamily="34" charset="0"/>
                 <a:cs typeface="Times New Roman" panose="02020603050405020304" pitchFamily="18" charset="0"/>
               </a:rPr>
-              <a:t>, T. M., et al. (2022). Machine learning applications in predicting 	breast cancer recurrence and treatment response. Cancer Informatics, 21, 	117693512211073.</a:t>
+              <a:t>, T. M., et al. (2022). Machine learning applications in predicting 	breast cancer 	recurrence and treatment response. Cancer Informatics, 21, 	117693512211073.</a:t>
             </a:r>
           </a:p>
           <a:p>
@@ -7552,25 +7590,7 @@
                 <a:ea typeface="Aptos" panose="020B0004020202020204" pitchFamily="34" charset="0"/>
                 <a:cs typeface="Times New Roman" panose="02020603050405020304" pitchFamily="18" charset="0"/>
               </a:rPr>
-              <a:t>Lichman, M.: UCI machine learning repository, University of California, School of 	Information and Computer </a:t>
-            </a:r>
-          </a:p>
-          <a:p>
-            <a:pPr marL="0" marR="0">
-              <a:spcAft>
-                <a:spcPts val="800"/>
-              </a:spcAft>
-            </a:pPr>
-            <a:r>
-              <a:rPr lang="en-US" sz="2400" kern="100" dirty="0">
-                <a:solidFill>
-                  <a:schemeClr val="bg1"/>
-                </a:solidFill>
-                <a:effectLst/>
-                <a:ea typeface="Aptos" panose="020B0004020202020204" pitchFamily="34" charset="0"/>
-                <a:cs typeface="Times New Roman" panose="02020603050405020304" pitchFamily="18" charset="0"/>
-              </a:rPr>
-              <a:t>Science, Irvine, CA (2019). </a:t>
+              <a:t>Lichman, M.: UCI machine learning repository, University of California, School of 	Information and 	Computer Science, Irvine, CA 	(2019). </a:t>
             </a:r>
             <a:r>
               <a:rPr lang="en-US" sz="2400" kern="100" dirty="0">
@@ -7647,7 +7667,7 @@
                 <a:ea typeface="Aptos" panose="020B0004020202020204" pitchFamily="34" charset="0"/>
                 <a:cs typeface="Times New Roman" panose="02020603050405020304" pitchFamily="18" charset="0"/>
               </a:rPr>
-              <a:t>, A., et al. (2018). Deep learning with convolutional neural 	network for differentiation of liver masses at dynamic contrast-enhanced CT: a 	preliminary study. Radiology, 286(3),  887-896.</a:t>
+              <a:t>, A., et al. (2018). Deep learning with convolutional neural 	network for 	differentiation of liver masses at dynamic contrast-enhanced CT: a 	preliminary study. Radiology, 286(3),  	887-896.</a:t>
             </a:r>
           </a:p>
           <a:p>
@@ -7674,7 +7694,7 @@
                 </a:solidFill>
                 <a:cs typeface="Times New Roman" panose="02020603050405020304" pitchFamily="18" charset="0"/>
               </a:rPr>
-              <a:t>). Applications of machine learning in breast cancer 	diagnosis and prognosis. Cancer Biology &amp; Medicine, 17(4), 943.</a:t>
+              <a:t>). Applications of machine learning in breast cancer 	diagnosis and 	prognosis. Cancer Biology &amp; Medicine, 17(4), 943.</a:t>
             </a:r>
           </a:p>
         </p:txBody>
@@ -8127,8 +8147,8 @@
           </a:p>
         </p:txBody>
       </p:sp>
-      <mc:AlternateContent xmlns:mc="http://schemas.openxmlformats.org/markup-compatibility/2006" xmlns:a14="http://schemas.microsoft.com/office/drawing/2010/main">
-        <mc:Choice Requires="a14">
+      <mc:AlternateContent xmlns:mc="http://schemas.openxmlformats.org/markup-compatibility/2006">
+        <mc:Choice xmlns:a14="http://schemas.microsoft.com/office/drawing/2010/main" Requires="a14">
           <p:graphicFrame>
             <p:nvGraphicFramePr>
               <p:cNvPr id="22" name="Table 21">
@@ -8144,7 +8164,7 @@
               <p:nvPr>
                 <p:extLst>
                   <p:ext uri="{D42A27DB-BD31-4B8C-83A1-F6EECF244321}">
-                    <p14:modId xmlns:p14="http://schemas.microsoft.com/office/powerpoint/2010/main" val="1377929600"/>
+                    <p14:modId xmlns:p14="http://schemas.microsoft.com/office/powerpoint/2010/main" val="3839604075"/>
                   </p:ext>
                 </p:extLst>
               </p:nvPr>
@@ -8202,6 +8222,14 @@
                         <a:bodyPr/>
                         <a:lstStyle/>
                         <a:p>
+                          <a:r>
+                            <a:rPr lang="en-US" sz="2800" b="1" dirty="0" err="1">
+                              <a:solidFill>
+                                <a:schemeClr val="bg1"/>
+                              </a:solidFill>
+                            </a:rPr>
+                            <a:t>Paraeters</a:t>
+                          </a:r>
                           <a:endParaRPr lang="en-US" sz="2800" b="1" dirty="0">
                             <a:solidFill>
                               <a:schemeClr val="bg1"/>
@@ -10172,7 +10200,7 @@
             </a:graphic>
           </p:graphicFrame>
         </mc:Choice>
-        <mc:Fallback xmlns="">
+        <mc:Fallback>
           <p:graphicFrame>
             <p:nvGraphicFramePr>
               <p:cNvPr id="22" name="Table 21">
@@ -10188,7 +10216,7 @@
               <p:nvPr>
                 <p:extLst>
                   <p:ext uri="{D42A27DB-BD31-4B8C-83A1-F6EECF244321}">
-                    <p14:modId xmlns:p14="http://schemas.microsoft.com/office/powerpoint/2010/main" val="1377929600"/>
+                    <p14:modId xmlns:p14="http://schemas.microsoft.com/office/powerpoint/2010/main" val="3839604075"/>
                   </p:ext>
                 </p:extLst>
               </p:nvPr>
@@ -10246,6 +10274,14 @@
                         <a:bodyPr/>
                         <a:lstStyle/>
                         <a:p>
+                          <a:r>
+                            <a:rPr lang="en-US" sz="2800" b="1" dirty="0" err="1">
+                              <a:solidFill>
+                                <a:schemeClr val="bg1"/>
+                              </a:solidFill>
+                            </a:rPr>
+                            <a:t>Paraeters</a:t>
+                          </a:r>
                           <a:endParaRPr lang="en-US" sz="2800" b="1" dirty="0">
                             <a:solidFill>
                               <a:schemeClr val="bg1"/>
@@ -11822,74 +11858,6 @@
       </p:sp>
       <p:sp>
         <p:nvSpPr>
-          <p:cNvPr id="30" name="TextBox 29">
-            <a:extLst>
-              <a:ext uri="{FF2B5EF4-FFF2-40B4-BE49-F238E27FC236}">
-                <a16:creationId xmlns:a16="http://schemas.microsoft.com/office/drawing/2014/main" id="{7DEEB5E5-4855-A4BB-B840-77D3EA880910}"/>
-              </a:ext>
-            </a:extLst>
-          </p:cNvPr>
-          <p:cNvSpPr txBox="1"/>
-          <p:nvPr/>
-        </p:nvSpPr>
-        <p:spPr>
-          <a:xfrm>
-            <a:off x="29572076" y="14724961"/>
-            <a:ext cx="11581060" cy="1354217"/>
-          </a:xfrm>
-          <a:prstGeom prst="rect">
-            <a:avLst/>
-          </a:prstGeom>
-          <a:noFill/>
-        </p:spPr>
-        <p:txBody>
-          <a:bodyPr wrap="square" rtlCol="0">
-            <a:spAutoFit/>
-          </a:bodyPr>
-          <a:lstStyle/>
-          <a:p>
-            <a:r>
-              <a:rPr lang="en-US" sz="3200" dirty="0">
-                <a:solidFill>
-                  <a:schemeClr val="bg1"/>
-                </a:solidFill>
-                <a:latin typeface="Times New Roman" panose="02020603050405020304" pitchFamily="18" charset="0"/>
-                <a:cs typeface="Times New Roman" panose="02020603050405020304" pitchFamily="18" charset="0"/>
-              </a:rPr>
-              <a:t>The most important features by decreasing importance are: inv-nodes, tumor-size, deg-</a:t>
-            </a:r>
-            <a:r>
-              <a:rPr lang="en-US" sz="3200" dirty="0" err="1">
-                <a:solidFill>
-                  <a:schemeClr val="bg1"/>
-                </a:solidFill>
-                <a:latin typeface="Times New Roman" panose="02020603050405020304" pitchFamily="18" charset="0"/>
-                <a:cs typeface="Times New Roman" panose="02020603050405020304" pitchFamily="18" charset="0"/>
-              </a:rPr>
-              <a:t>malig</a:t>
-            </a:r>
-            <a:r>
-              <a:rPr lang="en-US" sz="3200" dirty="0">
-                <a:solidFill>
-                  <a:schemeClr val="bg1"/>
-                </a:solidFill>
-                <a:latin typeface="Times New Roman" panose="02020603050405020304" pitchFamily="18" charset="0"/>
-                <a:cs typeface="Times New Roman" panose="02020603050405020304" pitchFamily="18" charset="0"/>
-              </a:rPr>
-              <a:t>, and age.</a:t>
-            </a:r>
-          </a:p>
-          <a:p>
-            <a:pPr marL="285750" indent="-285750">
-              <a:buFont typeface="Arial" panose="020B0604020202020204" pitchFamily="34" charset="0"/>
-              <a:buChar char="•"/>
-            </a:pPr>
-            <a:endParaRPr lang="en-US" dirty="0"/>
-          </a:p>
-        </p:txBody>
-      </p:sp>
-      <p:sp>
-        <p:nvSpPr>
           <p:cNvPr id="31" name="TextBox 30">
             <a:extLst>
               <a:ext uri="{FF2B5EF4-FFF2-40B4-BE49-F238E27FC236}">
@@ -11902,8 +11870,8 @@
         </p:nvSpPr>
         <p:spPr>
           <a:xfrm>
-            <a:off x="29609143" y="17093545"/>
-            <a:ext cx="11708786" cy="5898538"/>
+            <a:off x="29673006" y="15692127"/>
+            <a:ext cx="11708786" cy="6986528"/>
           </a:xfrm>
           <a:prstGeom prst="rect">
             <a:avLst/>
@@ -11916,12 +11884,36 @@
           </a:bodyPr>
           <a:lstStyle/>
           <a:p>
+            <a:pPr>
+              <a:buFont typeface="Arial" panose="020B0604020202020204" pitchFamily="34" charset="0"/>
+              <a:buChar char="•"/>
+            </a:pPr>
+            <a:r>
+              <a:rPr lang="en-US" sz="3200" dirty="0">
+                <a:solidFill>
+                  <a:schemeClr val="bg1"/>
+                </a:solidFill>
+                <a:cs typeface="Times New Roman" panose="02020603050405020304" pitchFamily="18" charset="0"/>
+              </a:rPr>
+              <a:t>The most important features are: </a:t>
+            </a:r>
+            <a:r>
+              <a:rPr lang="en-US" sz="3200" b="1" dirty="0">
+                <a:solidFill>
+                  <a:schemeClr val="bg1"/>
+                </a:solidFill>
+                <a:cs typeface="Times New Roman" panose="02020603050405020304" pitchFamily="18" charset="0"/>
+              </a:rPr>
+              <a:t>the number of positive axillary lymph nodes detected , tumor size, the degree of malignancy, and age of the patient.</a:t>
+            </a:r>
+          </a:p>
+          <a:p>
             <a:pPr algn="l">
               <a:buFont typeface="Arial" panose="020B0604020202020204" pitchFamily="34" charset="0"/>
               <a:buChar char="•"/>
             </a:pPr>
             <a:r>
-              <a:rPr lang="en-US" sz="3430" dirty="0">
+              <a:rPr lang="en-US" sz="3200" dirty="0">
                 <a:solidFill>
                   <a:schemeClr val="bg1"/>
                 </a:solidFill>
@@ -11930,7 +11922,7 @@
               <a:t>No model achieved </a:t>
             </a:r>
             <a:r>
-              <a:rPr lang="en-US" sz="3430" b="1" dirty="0">
+              <a:rPr lang="en-US" sz="3200" b="1" dirty="0">
                 <a:solidFill>
                   <a:schemeClr val="bg1"/>
                 </a:solidFill>
@@ -11939,7 +11931,7 @@
               <a:t>high recall</a:t>
             </a:r>
             <a:r>
-              <a:rPr lang="en-US" sz="3430" dirty="0">
+              <a:rPr lang="en-US" sz="3200" dirty="0">
                 <a:solidFill>
                   <a:schemeClr val="bg1"/>
                 </a:solidFill>
@@ -11954,7 +11946,7 @@
               <a:buChar char="•"/>
             </a:pPr>
             <a:r>
-              <a:rPr lang="en-US" sz="3430" b="1" dirty="0" err="1">
+              <a:rPr lang="en-US" sz="3200" b="1" dirty="0" err="1">
                 <a:solidFill>
                   <a:schemeClr val="bg1"/>
                 </a:solidFill>
@@ -11963,7 +11955,7 @@
               <a:t>XGBoost</a:t>
             </a:r>
             <a:r>
-              <a:rPr lang="en-US" sz="3430" dirty="0">
+              <a:rPr lang="en-US" sz="3200" dirty="0">
                 <a:solidFill>
                   <a:schemeClr val="bg1"/>
                 </a:solidFill>
@@ -11978,7 +11970,7 @@
               <a:buChar char="•"/>
             </a:pPr>
             <a:r>
-              <a:rPr lang="en-US" sz="3430" b="1" dirty="0">
+              <a:rPr lang="en-US" sz="3200" b="1" dirty="0">
                 <a:solidFill>
                   <a:schemeClr val="bg1"/>
                 </a:solidFill>
@@ -11987,7 +11979,7 @@
               <a:t>Random Forest </a:t>
             </a:r>
             <a:r>
-              <a:rPr lang="en-US" sz="3430" dirty="0">
+              <a:rPr lang="en-US" sz="3200" dirty="0">
                 <a:solidFill>
                   <a:schemeClr val="bg1"/>
                 </a:solidFill>
@@ -12002,7 +11994,7 @@
               <a:buChar char="•"/>
             </a:pPr>
             <a:r>
-              <a:rPr lang="en-US" sz="3430" b="1" dirty="0">
+              <a:rPr lang="en-US" sz="3200" b="1" dirty="0">
                 <a:solidFill>
                   <a:schemeClr val="bg1"/>
                 </a:solidFill>
@@ -12011,7 +12003,7 @@
               <a:t>SVM</a:t>
             </a:r>
             <a:r>
-              <a:rPr lang="en-US" sz="3430" dirty="0">
+              <a:rPr lang="en-US" sz="3200" dirty="0">
                 <a:solidFill>
                   <a:schemeClr val="bg1"/>
                 </a:solidFill>
@@ -12026,7 +12018,7 @@
               <a:buChar char="•"/>
             </a:pPr>
             <a:r>
-              <a:rPr lang="en-US" sz="3430" dirty="0">
+              <a:rPr lang="en-US" sz="3200" dirty="0">
                 <a:solidFill>
                   <a:schemeClr val="bg1"/>
                 </a:solidFill>
@@ -12035,7 +12027,7 @@
               <a:t>Additionally, applying </a:t>
             </a:r>
             <a:r>
-              <a:rPr lang="en-US" sz="3430" b="1" dirty="0">
+              <a:rPr lang="en-US" sz="3200" b="1" dirty="0">
                 <a:solidFill>
                   <a:schemeClr val="bg1"/>
                 </a:solidFill>
@@ -12044,7 +12036,7 @@
               <a:t>SMOTE </a:t>
             </a:r>
             <a:r>
-              <a:rPr lang="en-US" sz="3430" dirty="0">
+              <a:rPr lang="en-US" sz="3200" dirty="0">
                 <a:solidFill>
                   <a:schemeClr val="bg1"/>
                 </a:solidFill>
@@ -12052,7 +12044,10 @@
               </a:rPr>
               <a:t>for class balancing did not significantly improve overall model performance.</a:t>
             </a:r>
-            <a:endParaRPr lang="en-US" dirty="0"/>
+          </a:p>
+          <a:p>
+            <a:pPr algn="l"/>
+            <a:endParaRPr lang="en-US" sz="3200" dirty="0"/>
           </a:p>
         </p:txBody>
       </p:sp>
@@ -12101,16 +12096,6 @@
           <a:lstStyle/>
           <a:p>
             <a:pPr algn="ctr"/>
-            <a:r>
-              <a:rPr lang="en-US" b="1" i="0" dirty="0">
-                <a:solidFill>
-                  <a:srgbClr val="0050C1"/>
-                </a:solidFill>
-                <a:effectLst/>
-                <a:latin typeface="Lato" panose="020F0502020204030203" pitchFamily="34" charset="0"/>
-              </a:rPr>
-              <a:t>Wilson W. Wyatt Fellowship for Academic Excellence and the Fred C. and Florence Koster Scholarship awards- Spring 2025</a:t>
-            </a:r>
             <a:endParaRPr lang="en-US" dirty="0"/>
           </a:p>
         </p:txBody>
@@ -12129,7 +12114,7 @@
         </p:nvSpPr>
         <p:spPr>
           <a:xfrm>
-            <a:off x="15707248" y="21727442"/>
+            <a:off x="15729019" y="21746629"/>
             <a:ext cx="11910646" cy="707886"/>
           </a:xfrm>
           <a:prstGeom prst="rect">
@@ -12165,7 +12150,7 @@
         </p:nvSpPr>
         <p:spPr>
           <a:xfrm>
-            <a:off x="15990277" y="7956488"/>
+            <a:off x="15990276" y="8160529"/>
             <a:ext cx="11910646" cy="707886"/>
           </a:xfrm>
           <a:prstGeom prst="rect">
@@ -12468,6 +12453,42 @@
                 </a:solidFill>
               </a:rPr>
               <a:t>Figure 2 – Correlation of Numerical Variables</a:t>
+            </a:r>
+          </a:p>
+        </p:txBody>
+      </p:sp>
+      <p:sp>
+        <p:nvSpPr>
+          <p:cNvPr id="5" name="TextBox 4">
+            <a:extLst>
+              <a:ext uri="{FF2B5EF4-FFF2-40B4-BE49-F238E27FC236}">
+                <a16:creationId xmlns:a16="http://schemas.microsoft.com/office/drawing/2014/main" id="{6F61A643-AF13-14D0-E4CA-7EBBE24C0DD5}"/>
+              </a:ext>
+            </a:extLst>
+          </p:cNvPr>
+          <p:cNvSpPr txBox="1"/>
+          <p:nvPr/>
+        </p:nvSpPr>
+        <p:spPr>
+          <a:xfrm>
+            <a:off x="1950050" y="24405194"/>
+            <a:ext cx="11743397" cy="707886"/>
+          </a:xfrm>
+          <a:prstGeom prst="rect">
+            <a:avLst/>
+          </a:prstGeom>
+          <a:noFill/>
+        </p:spPr>
+        <p:txBody>
+          <a:bodyPr wrap="square" rtlCol="0">
+            <a:spAutoFit/>
+          </a:bodyPr>
+          <a:lstStyle/>
+          <a:p>
+            <a:pPr algn="ctr"/>
+            <a:r>
+              <a:rPr lang="en-US" sz="4000" dirty="0"/>
+              <a:t>Materials and Methods</a:t>
             </a:r>
           </a:p>
         </p:txBody>
@@ -13043,20 +13064,20 @@
 </file>
 
 <file path=customXml/item1.xml><?xml version="1.0" encoding="utf-8"?>
-<p:properties xmlns:p="http://schemas.microsoft.com/office/2006/metadata/properties" xmlns:xsi="http://www.w3.org/2001/XMLSchema-instance" xmlns:pc="http://schemas.microsoft.com/office/infopath/2007/PartnerControls">
-  <documentManagement>
-    <_activity xmlns="eaee3212-075e-41fa-89c3-2075fd17a461" xsi:nil="true"/>
-  </documentManagement>
-</p:properties>
-</file>
-
-<file path=customXml/item2.xml><?xml version="1.0" encoding="utf-8"?>
 <?mso-contentType ?>
 <FormTemplates xmlns="http://schemas.microsoft.com/sharepoint/v3/contenttype/forms">
   <Display>DocumentLibraryForm</Display>
   <Edit>DocumentLibraryForm</Edit>
   <New>DocumentLibraryForm</New>
 </FormTemplates>
+</file>
+
+<file path=customXml/item2.xml><?xml version="1.0" encoding="utf-8"?>
+<p:properties xmlns:p="http://schemas.microsoft.com/office/2006/metadata/properties" xmlns:xsi="http://www.w3.org/2001/XMLSchema-instance" xmlns:pc="http://schemas.microsoft.com/office/infopath/2007/PartnerControls">
+  <documentManagement>
+    <_activity xmlns="eaee3212-075e-41fa-89c3-2075fd17a461" xsi:nil="true"/>
+  </documentManagement>
+</p:properties>
 </file>
 
 <file path=customXml/item3.xml><?xml version="1.0" encoding="utf-8"?>
@@ -13249,6 +13270,14 @@
 </file>
 
 <file path=customXml/itemProps1.xml><?xml version="1.0" encoding="utf-8"?>
+<ds:datastoreItem xmlns:ds="http://schemas.openxmlformats.org/officeDocument/2006/customXml" ds:itemID="{B0AA1DC3-E791-4953-8B18-E355789D2B73}">
+  <ds:schemaRefs>
+    <ds:schemaRef ds:uri="http://schemas.microsoft.com/sharepoint/v3/contenttype/forms"/>
+  </ds:schemaRefs>
+</ds:datastoreItem>
+</file>
+
+<file path=customXml/itemProps2.xml><?xml version="1.0" encoding="utf-8"?>
 <ds:datastoreItem xmlns:ds="http://schemas.openxmlformats.org/officeDocument/2006/customXml" ds:itemID="{633DD92C-F257-425B-95F7-5098E5AA7BC2}">
   <ds:schemaRefs>
     <ds:schemaRef ds:uri="eaee3212-075e-41fa-89c3-2075fd17a461"/>
@@ -13256,14 +13285,6 @@
     <ds:schemaRef ds:uri="http://www.w3.org/2000/xmlns/"/>
     <ds:schemaRef ds:uri="http://www.w3.org/2001/XMLSchema-instance"/>
     <ds:schemaRef ds:uri="http://schemas.microsoft.com/office/infopath/2007/PartnerControls"/>
-  </ds:schemaRefs>
-</ds:datastoreItem>
-</file>
-
-<file path=customXml/itemProps2.xml><?xml version="1.0" encoding="utf-8"?>
-<ds:datastoreItem xmlns:ds="http://schemas.openxmlformats.org/officeDocument/2006/customXml" ds:itemID="{B0AA1DC3-E791-4953-8B18-E355789D2B73}">
-  <ds:schemaRefs>
-    <ds:schemaRef ds:uri="http://schemas.microsoft.com/sharepoint/v3/contenttype/forms"/>
   </ds:schemaRefs>
 </ds:datastoreItem>
 </file>
